--- a/Org2ITERA/Tugas Besar/ppt Helpdesk.pptx
+++ b/Org2ITERA/Tugas Besar/ppt Helpdesk.pptx
@@ -121,7 +121,27 @@
       </a:defRPr>
     </a:lvl9pPr>
   </p:defaultTextStyle>
+  <p:extLst>
+    <p:ext uri="{EFAFB233-063F-42B5-8137-9DF3F51BA10A}">
+      <p15:sldGuideLst xmlns:p15="http://schemas.microsoft.com/office/powerpoint/2012/main">
+        <p15:guide id="1" orient="horz" pos="2160">
+          <p15:clr>
+            <a:srgbClr val="A4A3A4"/>
+          </p15:clr>
+        </p15:guide>
+        <p15:guide id="2" pos="2880">
+          <p15:clr>
+            <a:srgbClr val="A4A3A4"/>
+          </p15:clr>
+        </p15:guide>
+      </p15:sldGuideLst>
+    </p:ext>
+  </p:extLst>
 </p:presentation>
+</file>
+
+<file path=ppt/revisionInfo.xml><?xml version="1.0" encoding="utf-8"?>
+<p1510:revInfo xmlns:a="http://schemas.openxmlformats.org/drawingml/2006/main" xmlns:r="http://schemas.openxmlformats.org/officeDocument/2006/relationships" xmlns:p1510="http://schemas.microsoft.com/office/powerpoint/2015/10/main"/>
 </file>
 
 <file path=ppt/notesMasters/notesMaster1.xml><?xml version="1.0" encoding="utf-8"?>
@@ -206,7 +226,7 @@
           <a:p>
             <a:fld id="{A31FA7A6-E823-4146-8EAD-D6EF4EA7D1DE}" type="datetimeFigureOut">
               <a:rPr lang="id-ID" smtClean="0"/>
-              <a:t>13/10/2017</a:t>
+              <a:t>19/10/2017</a:t>
             </a:fld>
             <a:endParaRPr lang="id-ID"/>
           </a:p>
@@ -272,35 +292,35 @@
           <a:p>
             <a:pPr lvl="0"/>
             <a:r>
-              <a:rPr lang="en-US" smtClean="0"/>
+              <a:rPr lang="en-US"/>
               <a:t>Click to edit Master text styles</a:t>
             </a:r>
           </a:p>
           <a:p>
             <a:pPr lvl="1"/>
             <a:r>
-              <a:rPr lang="en-US" smtClean="0"/>
+              <a:rPr lang="en-US"/>
               <a:t>Second level</a:t>
             </a:r>
           </a:p>
           <a:p>
             <a:pPr lvl="2"/>
             <a:r>
-              <a:rPr lang="en-US" smtClean="0"/>
+              <a:rPr lang="en-US"/>
               <a:t>Third level</a:t>
             </a:r>
           </a:p>
           <a:p>
             <a:pPr lvl="3"/>
             <a:r>
-              <a:rPr lang="en-US" smtClean="0"/>
+              <a:rPr lang="en-US"/>
               <a:t>Fourth level</a:t>
             </a:r>
           </a:p>
           <a:p>
             <a:pPr lvl="4"/>
             <a:r>
-              <a:rPr lang="en-US" smtClean="0"/>
+              <a:rPr lang="en-US"/>
               <a:t>Fifth level</a:t>
             </a:r>
             <a:endParaRPr lang="id-ID"/>
@@ -1120,10 +1140,9 @@
           </a:lstStyle>
           <a:p>
             <a:r>
-              <a:rPr kumimoji="0" lang="en-US" smtClean="0"/>
+              <a:rPr kumimoji="0" lang="en-US"/>
               <a:t>Click to edit Master title style</a:t>
             </a:r>
-            <a:endParaRPr kumimoji="0" lang="en-US"/>
           </a:p>
         </p:txBody>
       </p:sp>
@@ -1181,10 +1200,9 @@
           </a:lstStyle>
           <a:p>
             <a:r>
-              <a:rPr kumimoji="0" lang="en-US" smtClean="0"/>
+              <a:rPr kumimoji="0" lang="en-US"/>
               <a:t>Click to edit Master subtitle style</a:t>
             </a:r>
-            <a:endParaRPr kumimoji="0" lang="en-US"/>
           </a:p>
         </p:txBody>
       </p:sp>
@@ -1210,7 +1228,7 @@
           <a:p>
             <a:fld id="{BE583D01-0600-4BCD-AF4F-7632887046F8}" type="datetimeFigureOut">
               <a:rPr lang="id-ID" smtClean="0"/>
-              <a:t>13/10/2017</a:t>
+              <a:t>19/10/2017</a:t>
             </a:fld>
             <a:endParaRPr lang="id-ID"/>
           </a:p>
@@ -1317,10 +1335,9 @@
           <a:lstStyle/>
           <a:p>
             <a:r>
-              <a:rPr kumimoji="0" lang="en-US" smtClean="0"/>
+              <a:rPr kumimoji="0" lang="en-US"/>
               <a:t>Click to edit Master title style</a:t>
             </a:r>
-            <a:endParaRPr kumimoji="0" lang="en-US"/>
           </a:p>
         </p:txBody>
       </p:sp>
@@ -1341,35 +1358,35 @@
           <a:p>
             <a:pPr lvl="0" eaLnBrk="1" latinLnBrk="0" hangingPunct="1"/>
             <a:r>
-              <a:rPr lang="en-US" smtClean="0"/>
+              <a:rPr lang="en-US"/>
               <a:t>Click to edit Master text styles</a:t>
             </a:r>
           </a:p>
           <a:p>
             <a:pPr lvl="1" eaLnBrk="1" latinLnBrk="0" hangingPunct="1"/>
             <a:r>
-              <a:rPr lang="en-US" smtClean="0"/>
+              <a:rPr lang="en-US"/>
               <a:t>Second level</a:t>
             </a:r>
           </a:p>
           <a:p>
             <a:pPr lvl="2" eaLnBrk="1" latinLnBrk="0" hangingPunct="1"/>
             <a:r>
-              <a:rPr lang="en-US" smtClean="0"/>
+              <a:rPr lang="en-US"/>
               <a:t>Third level</a:t>
             </a:r>
           </a:p>
           <a:p>
             <a:pPr lvl="3" eaLnBrk="1" latinLnBrk="0" hangingPunct="1"/>
             <a:r>
-              <a:rPr lang="en-US" smtClean="0"/>
+              <a:rPr lang="en-US"/>
               <a:t>Fourth level</a:t>
             </a:r>
           </a:p>
           <a:p>
             <a:pPr lvl="4" eaLnBrk="1" latinLnBrk="0" hangingPunct="1"/>
             <a:r>
-              <a:rPr lang="en-US" smtClean="0"/>
+              <a:rPr lang="en-US"/>
               <a:t>Fifth level</a:t>
             </a:r>
             <a:endParaRPr kumimoji="0" lang="en-US"/>
@@ -1393,7 +1410,7 @@
           <a:p>
             <a:fld id="{BE583D01-0600-4BCD-AF4F-7632887046F8}" type="datetimeFigureOut">
               <a:rPr lang="id-ID" smtClean="0"/>
-              <a:t>13/10/2017</a:t>
+              <a:t>19/10/2017</a:t>
             </a:fld>
             <a:endParaRPr lang="id-ID"/>
           </a:p>
@@ -1487,10 +1504,9 @@
           <a:lstStyle/>
           <a:p>
             <a:r>
-              <a:rPr kumimoji="0" lang="en-US" smtClean="0"/>
+              <a:rPr kumimoji="0" lang="en-US"/>
               <a:t>Click to edit Master title style</a:t>
             </a:r>
-            <a:endParaRPr kumimoji="0" lang="en-US"/>
           </a:p>
         </p:txBody>
       </p:sp>
@@ -1516,35 +1532,35 @@
           <a:p>
             <a:pPr lvl="0" eaLnBrk="1" latinLnBrk="0" hangingPunct="1"/>
             <a:r>
-              <a:rPr lang="en-US" smtClean="0"/>
+              <a:rPr lang="en-US"/>
               <a:t>Click to edit Master text styles</a:t>
             </a:r>
           </a:p>
           <a:p>
             <a:pPr lvl="1" eaLnBrk="1" latinLnBrk="0" hangingPunct="1"/>
             <a:r>
-              <a:rPr lang="en-US" smtClean="0"/>
+              <a:rPr lang="en-US"/>
               <a:t>Second level</a:t>
             </a:r>
           </a:p>
           <a:p>
             <a:pPr lvl="2" eaLnBrk="1" latinLnBrk="0" hangingPunct="1"/>
             <a:r>
-              <a:rPr lang="en-US" smtClean="0"/>
+              <a:rPr lang="en-US"/>
               <a:t>Third level</a:t>
             </a:r>
           </a:p>
           <a:p>
             <a:pPr lvl="3" eaLnBrk="1" latinLnBrk="0" hangingPunct="1"/>
             <a:r>
-              <a:rPr lang="en-US" smtClean="0"/>
+              <a:rPr lang="en-US"/>
               <a:t>Fourth level</a:t>
             </a:r>
           </a:p>
           <a:p>
             <a:pPr lvl="4" eaLnBrk="1" latinLnBrk="0" hangingPunct="1"/>
             <a:r>
-              <a:rPr lang="en-US" smtClean="0"/>
+              <a:rPr lang="en-US"/>
               <a:t>Fifth level</a:t>
             </a:r>
             <a:endParaRPr kumimoji="0" lang="en-US"/>
@@ -1568,7 +1584,7 @@
           <a:p>
             <a:fld id="{BE583D01-0600-4BCD-AF4F-7632887046F8}" type="datetimeFigureOut">
               <a:rPr lang="id-ID" smtClean="0"/>
-              <a:t>13/10/2017</a:t>
+              <a:t>19/10/2017</a:t>
             </a:fld>
             <a:endParaRPr lang="id-ID"/>
           </a:p>
@@ -1657,10 +1673,9 @@
           <a:lstStyle/>
           <a:p>
             <a:r>
-              <a:rPr kumimoji="0" lang="en-US" smtClean="0"/>
+              <a:rPr kumimoji="0" lang="en-US"/>
               <a:t>Click to edit Master title style</a:t>
             </a:r>
-            <a:endParaRPr kumimoji="0" lang="en-US"/>
           </a:p>
         </p:txBody>
       </p:sp>
@@ -1681,35 +1696,35 @@
           <a:p>
             <a:pPr lvl="0" eaLnBrk="1" latinLnBrk="0" hangingPunct="1"/>
             <a:r>
-              <a:rPr lang="en-US" smtClean="0"/>
+              <a:rPr lang="en-US"/>
               <a:t>Click to edit Master text styles</a:t>
             </a:r>
           </a:p>
           <a:p>
             <a:pPr lvl="1" eaLnBrk="1" latinLnBrk="0" hangingPunct="1"/>
             <a:r>
-              <a:rPr lang="en-US" smtClean="0"/>
+              <a:rPr lang="en-US"/>
               <a:t>Second level</a:t>
             </a:r>
           </a:p>
           <a:p>
             <a:pPr lvl="2" eaLnBrk="1" latinLnBrk="0" hangingPunct="1"/>
             <a:r>
-              <a:rPr lang="en-US" smtClean="0"/>
+              <a:rPr lang="en-US"/>
               <a:t>Third level</a:t>
             </a:r>
           </a:p>
           <a:p>
             <a:pPr lvl="3" eaLnBrk="1" latinLnBrk="0" hangingPunct="1"/>
             <a:r>
-              <a:rPr lang="en-US" smtClean="0"/>
+              <a:rPr lang="en-US"/>
               <a:t>Fourth level</a:t>
             </a:r>
           </a:p>
           <a:p>
             <a:pPr lvl="4" eaLnBrk="1" latinLnBrk="0" hangingPunct="1"/>
             <a:r>
-              <a:rPr lang="en-US" smtClean="0"/>
+              <a:rPr lang="en-US"/>
               <a:t>Fifth level</a:t>
             </a:r>
             <a:endParaRPr kumimoji="0" lang="en-US"/>
@@ -1733,7 +1748,7 @@
           <a:p>
             <a:fld id="{BE583D01-0600-4BCD-AF4F-7632887046F8}" type="datetimeFigureOut">
               <a:rPr lang="id-ID" smtClean="0"/>
-              <a:t>13/10/2017</a:t>
+              <a:t>19/10/2017</a:t>
             </a:fld>
             <a:endParaRPr lang="id-ID"/>
           </a:p>
@@ -1853,10 +1868,9 @@
           </a:lstStyle>
           <a:p>
             <a:r>
-              <a:rPr kumimoji="0" lang="en-US" smtClean="0"/>
+              <a:rPr kumimoji="0" lang="en-US"/>
               <a:t>Click to edit Master title style</a:t>
             </a:r>
-            <a:endParaRPr kumimoji="0" lang="en-US"/>
           </a:p>
         </p:txBody>
       </p:sp>
@@ -1931,7 +1945,7 @@
           <a:p>
             <a:pPr lvl="0" eaLnBrk="1" latinLnBrk="0" hangingPunct="1"/>
             <a:r>
-              <a:rPr kumimoji="0" lang="en-US" smtClean="0"/>
+              <a:rPr kumimoji="0" lang="en-US"/>
               <a:t>Click to edit Master text styles</a:t>
             </a:r>
           </a:p>
@@ -1954,7 +1968,7 @@
           <a:p>
             <a:fld id="{BE583D01-0600-4BCD-AF4F-7632887046F8}" type="datetimeFigureOut">
               <a:rPr lang="id-ID" smtClean="0"/>
-              <a:t>13/10/2017</a:t>
+              <a:t>19/10/2017</a:t>
             </a:fld>
             <a:endParaRPr lang="id-ID"/>
           </a:p>
@@ -2043,10 +2057,9 @@
           <a:lstStyle/>
           <a:p>
             <a:r>
-              <a:rPr kumimoji="0" lang="en-US" smtClean="0"/>
+              <a:rPr kumimoji="0" lang="en-US"/>
               <a:t>Click to edit Master title style</a:t>
             </a:r>
-            <a:endParaRPr kumimoji="0" lang="en-US"/>
           </a:p>
         </p:txBody>
       </p:sp>
@@ -2088,35 +2101,35 @@
           <a:p>
             <a:pPr lvl="0" eaLnBrk="1" latinLnBrk="0" hangingPunct="1"/>
             <a:r>
-              <a:rPr lang="en-US" smtClean="0"/>
+              <a:rPr lang="en-US"/>
               <a:t>Click to edit Master text styles</a:t>
             </a:r>
           </a:p>
           <a:p>
             <a:pPr lvl="1" eaLnBrk="1" latinLnBrk="0" hangingPunct="1"/>
             <a:r>
-              <a:rPr lang="en-US" smtClean="0"/>
+              <a:rPr lang="en-US"/>
               <a:t>Second level</a:t>
             </a:r>
           </a:p>
           <a:p>
             <a:pPr lvl="2" eaLnBrk="1" latinLnBrk="0" hangingPunct="1"/>
             <a:r>
-              <a:rPr lang="en-US" smtClean="0"/>
+              <a:rPr lang="en-US"/>
               <a:t>Third level</a:t>
             </a:r>
           </a:p>
           <a:p>
             <a:pPr lvl="3" eaLnBrk="1" latinLnBrk="0" hangingPunct="1"/>
             <a:r>
-              <a:rPr lang="en-US" smtClean="0"/>
+              <a:rPr lang="en-US"/>
               <a:t>Fourth level</a:t>
             </a:r>
           </a:p>
           <a:p>
             <a:pPr lvl="4" eaLnBrk="1" latinLnBrk="0" hangingPunct="1"/>
             <a:r>
-              <a:rPr lang="en-US" smtClean="0"/>
+              <a:rPr lang="en-US"/>
               <a:t>Fifth level</a:t>
             </a:r>
             <a:endParaRPr kumimoji="0" lang="en-US"/>
@@ -2161,35 +2174,35 @@
           <a:p>
             <a:pPr lvl="0" eaLnBrk="1" latinLnBrk="0" hangingPunct="1"/>
             <a:r>
-              <a:rPr lang="en-US" smtClean="0"/>
+              <a:rPr lang="en-US"/>
               <a:t>Click to edit Master text styles</a:t>
             </a:r>
           </a:p>
           <a:p>
             <a:pPr lvl="1" eaLnBrk="1" latinLnBrk="0" hangingPunct="1"/>
             <a:r>
-              <a:rPr lang="en-US" smtClean="0"/>
+              <a:rPr lang="en-US"/>
               <a:t>Second level</a:t>
             </a:r>
           </a:p>
           <a:p>
             <a:pPr lvl="2" eaLnBrk="1" latinLnBrk="0" hangingPunct="1"/>
             <a:r>
-              <a:rPr lang="en-US" smtClean="0"/>
+              <a:rPr lang="en-US"/>
               <a:t>Third level</a:t>
             </a:r>
           </a:p>
           <a:p>
             <a:pPr lvl="3" eaLnBrk="1" latinLnBrk="0" hangingPunct="1"/>
             <a:r>
-              <a:rPr lang="en-US" smtClean="0"/>
+              <a:rPr lang="en-US"/>
               <a:t>Fourth level</a:t>
             </a:r>
           </a:p>
           <a:p>
             <a:pPr lvl="4" eaLnBrk="1" latinLnBrk="0" hangingPunct="1"/>
             <a:r>
-              <a:rPr lang="en-US" smtClean="0"/>
+              <a:rPr lang="en-US"/>
               <a:t>Fifth level</a:t>
             </a:r>
             <a:endParaRPr kumimoji="0" lang="en-US"/>
@@ -2213,7 +2226,7 @@
           <a:p>
             <a:fld id="{BE583D01-0600-4BCD-AF4F-7632887046F8}" type="datetimeFigureOut">
               <a:rPr lang="id-ID" smtClean="0"/>
-              <a:t>13/10/2017</a:t>
+              <a:t>19/10/2017</a:t>
             </a:fld>
             <a:endParaRPr lang="id-ID"/>
           </a:p>
@@ -2311,10 +2324,9 @@
           </a:lstStyle>
           <a:p>
             <a:r>
-              <a:rPr kumimoji="0" lang="en-US" smtClean="0"/>
+              <a:rPr kumimoji="0" lang="en-US"/>
               <a:t>Click to edit Master title style</a:t>
             </a:r>
-            <a:endParaRPr kumimoji="0" lang="en-US"/>
           </a:p>
         </p:txBody>
       </p:sp>
@@ -2380,7 +2392,7 @@
           <a:p>
             <a:pPr lvl="0" eaLnBrk="1" latinLnBrk="0" hangingPunct="1"/>
             <a:r>
-              <a:rPr kumimoji="0" lang="en-US" smtClean="0"/>
+              <a:rPr kumimoji="0" lang="en-US"/>
               <a:t>Click to edit Master text styles</a:t>
             </a:r>
           </a:p>
@@ -2448,7 +2460,7 @@
           <a:p>
             <a:pPr lvl="0" eaLnBrk="1" latinLnBrk="0" hangingPunct="1"/>
             <a:r>
-              <a:rPr kumimoji="0" lang="en-US" smtClean="0"/>
+              <a:rPr kumimoji="0" lang="en-US"/>
               <a:t>Click to edit Master text styles</a:t>
             </a:r>
           </a:p>
@@ -2492,35 +2504,35 @@
           <a:p>
             <a:pPr lvl="0" eaLnBrk="1" latinLnBrk="0" hangingPunct="1"/>
             <a:r>
-              <a:rPr lang="en-US" smtClean="0"/>
+              <a:rPr lang="en-US"/>
               <a:t>Click to edit Master text styles</a:t>
             </a:r>
           </a:p>
           <a:p>
             <a:pPr lvl="1" eaLnBrk="1" latinLnBrk="0" hangingPunct="1"/>
             <a:r>
-              <a:rPr lang="en-US" smtClean="0"/>
+              <a:rPr lang="en-US"/>
               <a:t>Second level</a:t>
             </a:r>
           </a:p>
           <a:p>
             <a:pPr lvl="2" eaLnBrk="1" latinLnBrk="0" hangingPunct="1"/>
             <a:r>
-              <a:rPr lang="en-US" smtClean="0"/>
+              <a:rPr lang="en-US"/>
               <a:t>Third level</a:t>
             </a:r>
           </a:p>
           <a:p>
             <a:pPr lvl="3" eaLnBrk="1" latinLnBrk="0" hangingPunct="1"/>
             <a:r>
-              <a:rPr lang="en-US" smtClean="0"/>
+              <a:rPr lang="en-US"/>
               <a:t>Fourth level</a:t>
             </a:r>
           </a:p>
           <a:p>
             <a:pPr lvl="4" eaLnBrk="1" latinLnBrk="0" hangingPunct="1"/>
             <a:r>
-              <a:rPr lang="en-US" smtClean="0"/>
+              <a:rPr lang="en-US"/>
               <a:t>Fifth level</a:t>
             </a:r>
             <a:endParaRPr kumimoji="0" lang="en-US"/>
@@ -2565,35 +2577,35 @@
           <a:p>
             <a:pPr lvl="0" eaLnBrk="1" latinLnBrk="0" hangingPunct="1"/>
             <a:r>
-              <a:rPr lang="en-US" smtClean="0"/>
+              <a:rPr lang="en-US"/>
               <a:t>Click to edit Master text styles</a:t>
             </a:r>
           </a:p>
           <a:p>
             <a:pPr lvl="1" eaLnBrk="1" latinLnBrk="0" hangingPunct="1"/>
             <a:r>
-              <a:rPr lang="en-US" smtClean="0"/>
+              <a:rPr lang="en-US"/>
               <a:t>Second level</a:t>
             </a:r>
           </a:p>
           <a:p>
             <a:pPr lvl="2" eaLnBrk="1" latinLnBrk="0" hangingPunct="1"/>
             <a:r>
-              <a:rPr lang="en-US" smtClean="0"/>
+              <a:rPr lang="en-US"/>
               <a:t>Third level</a:t>
             </a:r>
           </a:p>
           <a:p>
             <a:pPr lvl="3" eaLnBrk="1" latinLnBrk="0" hangingPunct="1"/>
             <a:r>
-              <a:rPr lang="en-US" smtClean="0"/>
+              <a:rPr lang="en-US"/>
               <a:t>Fourth level</a:t>
             </a:r>
           </a:p>
           <a:p>
             <a:pPr lvl="4" eaLnBrk="1" latinLnBrk="0" hangingPunct="1"/>
             <a:r>
-              <a:rPr lang="en-US" smtClean="0"/>
+              <a:rPr lang="en-US"/>
               <a:t>Fifth level</a:t>
             </a:r>
             <a:endParaRPr kumimoji="0" lang="en-US"/>
@@ -2617,7 +2629,7 @@
           <a:p>
             <a:fld id="{BE583D01-0600-4BCD-AF4F-7632887046F8}" type="datetimeFigureOut">
               <a:rPr lang="id-ID" smtClean="0"/>
-              <a:t>13/10/2017</a:t>
+              <a:t>19/10/2017</a:t>
             </a:fld>
             <a:endParaRPr lang="id-ID"/>
           </a:p>
@@ -2719,10 +2731,9 @@
           </a:lstStyle>
           <a:p>
             <a:r>
-              <a:rPr kumimoji="0" lang="en-US" smtClean="0"/>
+              <a:rPr kumimoji="0" lang="en-US"/>
               <a:t>Click to edit Master title style</a:t>
             </a:r>
-            <a:endParaRPr kumimoji="0" lang="en-US"/>
           </a:p>
         </p:txBody>
       </p:sp>
@@ -2748,7 +2759,7 @@
           <a:p>
             <a:fld id="{BE583D01-0600-4BCD-AF4F-7632887046F8}" type="datetimeFigureOut">
               <a:rPr lang="id-ID" smtClean="0"/>
-              <a:t>13/10/2017</a:t>
+              <a:t>19/10/2017</a:t>
             </a:fld>
             <a:endParaRPr lang="id-ID"/>
           </a:p>
@@ -2848,7 +2859,7 @@
           <a:p>
             <a:fld id="{BE583D01-0600-4BCD-AF4F-7632887046F8}" type="datetimeFigureOut">
               <a:rPr lang="id-ID" smtClean="0"/>
-              <a:t>13/10/2017</a:t>
+              <a:t>19/10/2017</a:t>
             </a:fld>
             <a:endParaRPr lang="id-ID"/>
           </a:p>
@@ -2947,10 +2958,9 @@
           </a:lstStyle>
           <a:p>
             <a:r>
-              <a:rPr kumimoji="0" lang="en-US" smtClean="0"/>
+              <a:rPr kumimoji="0" lang="en-US"/>
               <a:t>Click to edit Master title style</a:t>
             </a:r>
-            <a:endParaRPr kumimoji="0" lang="en-US"/>
           </a:p>
         </p:txBody>
       </p:sp>
@@ -2997,7 +3007,7 @@
           <a:p>
             <a:pPr lvl="0" eaLnBrk="1" latinLnBrk="0" hangingPunct="1"/>
             <a:r>
-              <a:rPr kumimoji="0" lang="en-US" smtClean="0"/>
+              <a:rPr kumimoji="0" lang="en-US"/>
               <a:t>Click to edit Master text styles</a:t>
             </a:r>
           </a:p>
@@ -3041,35 +3051,35 @@
           <a:p>
             <a:pPr lvl="0" eaLnBrk="1" latinLnBrk="0" hangingPunct="1"/>
             <a:r>
-              <a:rPr lang="en-US" smtClean="0"/>
+              <a:rPr lang="en-US"/>
               <a:t>Click to edit Master text styles</a:t>
             </a:r>
           </a:p>
           <a:p>
             <a:pPr lvl="1" eaLnBrk="1" latinLnBrk="0" hangingPunct="1"/>
             <a:r>
-              <a:rPr lang="en-US" smtClean="0"/>
+              <a:rPr lang="en-US"/>
               <a:t>Second level</a:t>
             </a:r>
           </a:p>
           <a:p>
             <a:pPr lvl="2" eaLnBrk="1" latinLnBrk="0" hangingPunct="1"/>
             <a:r>
-              <a:rPr lang="en-US" smtClean="0"/>
+              <a:rPr lang="en-US"/>
               <a:t>Third level</a:t>
             </a:r>
           </a:p>
           <a:p>
             <a:pPr lvl="3" eaLnBrk="1" latinLnBrk="0" hangingPunct="1"/>
             <a:r>
-              <a:rPr lang="en-US" smtClean="0"/>
+              <a:rPr lang="en-US"/>
               <a:t>Fourth level</a:t>
             </a:r>
           </a:p>
           <a:p>
             <a:pPr lvl="4" eaLnBrk="1" latinLnBrk="0" hangingPunct="1"/>
             <a:r>
-              <a:rPr lang="en-US" smtClean="0"/>
+              <a:rPr lang="en-US"/>
               <a:t>Fifth level</a:t>
             </a:r>
             <a:endParaRPr kumimoji="0" lang="en-US"/>
@@ -3093,7 +3103,7 @@
           <a:p>
             <a:fld id="{BE583D01-0600-4BCD-AF4F-7632887046F8}" type="datetimeFigureOut">
               <a:rPr lang="id-ID" smtClean="0"/>
-              <a:t>13/10/2017</a:t>
+              <a:t>19/10/2017</a:t>
             </a:fld>
             <a:endParaRPr lang="id-ID"/>
           </a:p>
@@ -3192,10 +3202,9 @@
           </a:lstStyle>
           <a:p>
             <a:r>
-              <a:rPr kumimoji="0" lang="en-US" smtClean="0"/>
+              <a:rPr kumimoji="0" lang="en-US"/>
               <a:t>Click to edit Master title style</a:t>
             </a:r>
-            <a:endParaRPr kumimoji="0" lang="en-US"/>
           </a:p>
         </p:txBody>
       </p:sp>
@@ -3253,7 +3262,7 @@
           </a:lstStyle>
           <a:p>
             <a:r>
-              <a:rPr kumimoji="0" lang="en-US" smtClean="0"/>
+              <a:rPr kumimoji="0" lang="en-US"/>
               <a:t>Click icon to add picture</a:t>
             </a:r>
             <a:endParaRPr kumimoji="0" lang="en-US" dirty="0"/>
@@ -3314,7 +3323,7 @@
           <a:p>
             <a:pPr lvl="0" eaLnBrk="1" latinLnBrk="0" hangingPunct="1"/>
             <a:r>
-              <a:rPr kumimoji="0" lang="en-US" smtClean="0"/>
+              <a:rPr kumimoji="0" lang="en-US"/>
               <a:t>Click to edit Master text styles</a:t>
             </a:r>
           </a:p>
@@ -3337,7 +3346,7 @@
           <a:p>
             <a:fld id="{BE583D01-0600-4BCD-AF4F-7632887046F8}" type="datetimeFigureOut">
               <a:rPr lang="id-ID" smtClean="0"/>
-              <a:t>13/10/2017</a:t>
+              <a:t>19/10/2017</a:t>
             </a:fld>
             <a:endParaRPr lang="id-ID"/>
           </a:p>
@@ -4059,10 +4068,9 @@
           <a:lstStyle/>
           <a:p>
             <a:r>
-              <a:rPr kumimoji="0" lang="en-US" smtClean="0"/>
+              <a:rPr kumimoji="0" lang="en-US"/>
               <a:t>Click to edit Master title style</a:t>
             </a:r>
-            <a:endParaRPr kumimoji="0" lang="en-US"/>
           </a:p>
         </p:txBody>
       </p:sp>
@@ -4093,38 +4101,37 @@
           <a:p>
             <a:pPr lvl="0" eaLnBrk="1" latinLnBrk="0" hangingPunct="1"/>
             <a:r>
-              <a:rPr kumimoji="0" lang="en-US" smtClean="0"/>
+              <a:rPr kumimoji="0" lang="en-US"/>
               <a:t>Click to edit Master text styles</a:t>
             </a:r>
           </a:p>
           <a:p>
             <a:pPr lvl="1" eaLnBrk="1" latinLnBrk="0" hangingPunct="1"/>
             <a:r>
-              <a:rPr kumimoji="0" lang="en-US" smtClean="0"/>
+              <a:rPr kumimoji="0" lang="en-US"/>
               <a:t>Second level</a:t>
             </a:r>
           </a:p>
           <a:p>
             <a:pPr lvl="2" eaLnBrk="1" latinLnBrk="0" hangingPunct="1"/>
             <a:r>
-              <a:rPr kumimoji="0" lang="en-US" smtClean="0"/>
+              <a:rPr kumimoji="0" lang="en-US"/>
               <a:t>Third level</a:t>
             </a:r>
           </a:p>
           <a:p>
             <a:pPr lvl="3" eaLnBrk="1" latinLnBrk="0" hangingPunct="1"/>
             <a:r>
-              <a:rPr kumimoji="0" lang="en-US" smtClean="0"/>
+              <a:rPr kumimoji="0" lang="en-US"/>
               <a:t>Fourth level</a:t>
             </a:r>
           </a:p>
           <a:p>
             <a:pPr lvl="4" eaLnBrk="1" latinLnBrk="0" hangingPunct="1"/>
             <a:r>
-              <a:rPr kumimoji="0" lang="en-US" smtClean="0"/>
+              <a:rPr kumimoji="0" lang="en-US"/>
               <a:t>Fifth level</a:t>
             </a:r>
-            <a:endParaRPr kumimoji="0" lang="en-US"/>
           </a:p>
         </p:txBody>
       </p:sp>
@@ -4161,7 +4168,7 @@
           <a:p>
             <a:fld id="{BE583D01-0600-4BCD-AF4F-7632887046F8}" type="datetimeFigureOut">
               <a:rPr lang="id-ID" smtClean="0"/>
-              <a:t>13/10/2017</a:t>
+              <a:t>19/10/2017</a:t>
             </a:fld>
             <a:endParaRPr lang="id-ID"/>
           </a:p>
@@ -4569,18 +4576,18 @@
           <a:lstStyle/>
           <a:p>
             <a:r>
-              <a:rPr lang="id-ID" dirty="0" smtClean="0"/>
+              <a:rPr lang="id-ID" dirty="0"/>
               <a:t>Sistem Helpdesk Aplikasi berbasis</a:t>
             </a:r>
             <a:br>
-              <a:rPr lang="id-ID" dirty="0" smtClean="0"/>
+              <a:rPr lang="id-ID" dirty="0"/>
             </a:br>
             <a:r>
-              <a:rPr lang="id-ID" dirty="0" smtClean="0"/>
+              <a:rPr lang="id-ID" dirty="0"/>
               <a:t>Web</a:t>
             </a:r>
             <a:br>
-              <a:rPr lang="id-ID" dirty="0" smtClean="0"/>
+              <a:rPr lang="id-ID" dirty="0"/>
             </a:br>
             <a:endParaRPr lang="id-ID" b="1" dirty="0"/>
           </a:p>
@@ -4609,90 +4616,59 @@
           <a:lstStyle/>
           <a:p>
             <a:r>
-              <a:rPr lang="id-ID" sz="2100" dirty="0" smtClean="0"/>
+              <a:rPr lang="id-ID" sz="2100" dirty="0"/>
               <a:t>Putra Abi Akbarjune [14115011] </a:t>
             </a:r>
           </a:p>
           <a:p>
             <a:r>
-              <a:rPr lang="id-ID" sz="2100" dirty="0" smtClean="0"/>
-              <a:t>Irfan </a:t>
-            </a:r>
-            <a:r>
-              <a:rPr lang="id-ID" sz="2100" dirty="0" smtClean="0"/>
-              <a:t>Gerard Wicaksono Mokalu [14115016] </a:t>
-            </a:r>
-            <a:endParaRPr lang="id-ID" sz="2100" dirty="0" smtClean="0"/>
-          </a:p>
-          <a:p>
-            <a:r>
-              <a:rPr lang="id-ID" sz="2100" dirty="0" smtClean="0"/>
-              <a:t> </a:t>
-            </a:r>
-            <a:r>
-              <a:rPr lang="id-ID" sz="2100" dirty="0" smtClean="0"/>
-              <a:t>Elvira Nadya Maharani [14115030] </a:t>
-            </a:r>
-            <a:endParaRPr lang="id-ID" sz="2100" dirty="0" smtClean="0"/>
-          </a:p>
-          <a:p>
-            <a:r>
-              <a:rPr lang="id-ID" sz="2100" dirty="0" smtClean="0"/>
-              <a:t> </a:t>
-            </a:r>
-            <a:r>
-              <a:rPr lang="id-ID" sz="2100" dirty="0" smtClean="0"/>
-              <a:t>Nurma Syanti [14115044</a:t>
-            </a:r>
-            <a:r>
-              <a:rPr lang="id-ID" sz="2100" dirty="0" smtClean="0"/>
-              <a:t>]</a:t>
-            </a:r>
-          </a:p>
-          <a:p>
-            <a:r>
-              <a:rPr lang="id-ID" sz="2100" dirty="0" smtClean="0"/>
-              <a:t>Bintang </a:t>
-            </a:r>
-            <a:r>
-              <a:rPr lang="id-ID" sz="2100" dirty="0" smtClean="0"/>
-              <a:t>Bagus Pangestu [14114002</a:t>
-            </a:r>
-            <a:r>
-              <a:rPr lang="id-ID" sz="2100" dirty="0" smtClean="0"/>
-              <a:t>]</a:t>
-            </a:r>
-          </a:p>
-          <a:p>
-            <a:endParaRPr lang="id-ID" sz="1900" dirty="0" smtClean="0"/>
-          </a:p>
-          <a:p>
-            <a:endParaRPr lang="id-ID" sz="1900" dirty="0" smtClean="0"/>
-          </a:p>
-          <a:p>
-            <a:endParaRPr lang="id-ID" dirty="0" smtClean="0"/>
-          </a:p>
-          <a:p>
-            <a:endParaRPr lang="id-ID" sz="1900" dirty="0" smtClean="0"/>
+              <a:rPr lang="id-ID" sz="2100" dirty="0"/>
+              <a:t>Irfan Gerard Wicaksono Mokalu [14115016] </a:t>
+            </a:r>
+          </a:p>
+          <a:p>
+            <a:r>
+              <a:rPr lang="id-ID" sz="2100" dirty="0"/>
+              <a:t> Elvira Nadya Maharani [14115030] </a:t>
+            </a:r>
+          </a:p>
+          <a:p>
+            <a:r>
+              <a:rPr lang="id-ID" sz="2100" dirty="0"/>
+              <a:t> Nurma Syanti [14115044]</a:t>
+            </a:r>
+          </a:p>
+          <a:p>
+            <a:r>
+              <a:rPr lang="id-ID" sz="2100" dirty="0"/>
+              <a:t>Bintang Bagus Pangestu [14114002]</a:t>
+            </a:r>
+          </a:p>
+          <a:p>
+            <a:endParaRPr lang="id-ID" sz="1900" dirty="0"/>
+          </a:p>
+          <a:p>
+            <a:endParaRPr lang="id-ID" sz="1900" dirty="0"/>
+          </a:p>
+          <a:p>
+            <a:endParaRPr lang="id-ID" dirty="0"/>
+          </a:p>
+          <a:p>
+            <a:endParaRPr lang="id-ID" sz="1900" dirty="0"/>
           </a:p>
           <a:p>
             <a:pPr algn="ctr"/>
             <a:r>
-              <a:rPr lang="id-ID" sz="1900" dirty="0" smtClean="0"/>
+              <a:rPr lang="id-ID" sz="1900" dirty="0"/>
               <a:t>TEKNIK INFORMATIKA</a:t>
             </a:r>
             <a:br>
-              <a:rPr lang="id-ID" sz="1900" dirty="0" smtClean="0"/>
+              <a:rPr lang="id-ID" sz="1900" dirty="0"/>
             </a:br>
             <a:r>
-              <a:rPr lang="id-ID" sz="1900" dirty="0" smtClean="0"/>
-              <a:t>INSTITUT TEKNOLOGI </a:t>
-            </a:r>
-            <a:r>
-              <a:rPr lang="id-ID" sz="1900" dirty="0" smtClean="0"/>
-              <a:t>SUMATERA</a:t>
-            </a:r>
-            <a:endParaRPr lang="id-ID" sz="1900" dirty="0"/>
+              <a:rPr lang="id-ID" sz="1900" dirty="0"/>
+              <a:t>INSTITUT TEKNOLOGI SUMATERA</a:t>
+            </a:r>
           </a:p>
         </p:txBody>
       </p:sp>
@@ -4701,13 +4677,6 @@
   <p:clrMapOvr>
     <a:masterClrMapping/>
   </p:clrMapOvr>
-  <p:timing>
-    <p:tnLst>
-      <p:par>
-        <p:cTn id="1" dur="indefinite" restart="never" nodeType="tmRoot"/>
-      </p:par>
-    </p:tnLst>
-  </p:timing>
 </p:sld>
 </file>
 
@@ -4749,10 +4718,9 @@
           <a:lstStyle/>
           <a:p>
             <a:r>
-              <a:rPr lang="id-ID" dirty="0" smtClean="0"/>
+              <a:rPr lang="id-ID" dirty="0"/>
               <a:t>Search Tiket</a:t>
             </a:r>
-            <a:endParaRPr lang="id-ID" dirty="0"/>
           </a:p>
         </p:txBody>
       </p:sp>
@@ -4787,13 +4755,6 @@
   <p:clrMapOvr>
     <a:masterClrMapping/>
   </p:clrMapOvr>
-  <p:timing>
-    <p:tnLst>
-      <p:par>
-        <p:cTn id="1" dur="indefinite" restart="never" nodeType="tmRoot"/>
-      </p:par>
-    </p:tnLst>
-  </p:timing>
 </p:sld>
 </file>
 
@@ -4835,10 +4796,9 @@
           <a:lstStyle/>
           <a:p>
             <a:r>
-              <a:rPr lang="id-ID" dirty="0" smtClean="0"/>
+              <a:rPr lang="id-ID" dirty="0"/>
               <a:t>Login</a:t>
             </a:r>
-            <a:endParaRPr lang="id-ID" dirty="0"/>
           </a:p>
         </p:txBody>
       </p:sp>
@@ -4873,13 +4833,6 @@
   <p:clrMapOvr>
     <a:masterClrMapping/>
   </p:clrMapOvr>
-  <p:timing>
-    <p:tnLst>
-      <p:par>
-        <p:cTn id="1" dur="indefinite" restart="never" nodeType="tmRoot"/>
-      </p:par>
-    </p:tnLst>
-  </p:timing>
 </p:sld>
 </file>
 
@@ -4921,10 +4874,9 @@
           <a:lstStyle/>
           <a:p>
             <a:r>
-              <a:rPr lang="id-ID" dirty="0" smtClean="0"/>
+              <a:rPr lang="id-ID" dirty="0"/>
               <a:t>Dashboard</a:t>
             </a:r>
-            <a:endParaRPr lang="id-ID" dirty="0"/>
           </a:p>
         </p:txBody>
       </p:sp>
@@ -4959,13 +4911,6 @@
   <p:clrMapOvr>
     <a:masterClrMapping/>
   </p:clrMapOvr>
-  <p:timing>
-    <p:tnLst>
-      <p:par>
-        <p:cTn id="1" dur="indefinite" restart="never" nodeType="tmRoot"/>
-      </p:par>
-    </p:tnLst>
-  </p:timing>
 </p:sld>
 </file>
 
@@ -5007,10 +4952,9 @@
           <a:lstStyle/>
           <a:p>
             <a:r>
-              <a:rPr lang="id-ID" dirty="0" smtClean="0"/>
+              <a:rPr lang="id-ID" dirty="0"/>
               <a:t>Ticket</a:t>
             </a:r>
-            <a:endParaRPr lang="id-ID" dirty="0"/>
           </a:p>
         </p:txBody>
       </p:sp>
@@ -5045,13 +4989,6 @@
   <p:clrMapOvr>
     <a:masterClrMapping/>
   </p:clrMapOvr>
-  <p:timing>
-    <p:tnLst>
-      <p:par>
-        <p:cTn id="1" dur="indefinite" restart="never" nodeType="tmRoot"/>
-      </p:par>
-    </p:tnLst>
-  </p:timing>
 </p:sld>
 </file>
 
@@ -5088,7 +5025,7 @@
           <a:lstStyle/>
           <a:p>
             <a:r>
-              <a:rPr lang="id-ID" b="1" dirty="0" smtClean="0"/>
+              <a:rPr lang="id-ID" b="1" dirty="0"/>
               <a:t>Kesimpulan</a:t>
             </a:r>
             <a:endParaRPr lang="id-ID" dirty="0"/>
@@ -5114,15 +5051,11 @@
               <a:buNone/>
             </a:pPr>
             <a:r>
-              <a:rPr lang="id-ID" dirty="0" smtClean="0"/>
-              <a:t>		Aplikasi </a:t>
-            </a:r>
-            <a:r>
-              <a:rPr lang="id-ID" dirty="0" smtClean="0"/>
-              <a:t>Helpdesk kami belum dapat menampilkan searching tiket karena tidak berhasil menghubungkan perintah searching dengan basis data.</a:t>
+              <a:rPr lang="id-ID" dirty="0"/>
+              <a:t>		Aplikasi Helpdesk kami belum dapat menampilkan searching tiket karena tidak berhasil menghubungkan perintah searching dengan basis data.</a:t>
             </a:r>
             <a:br>
-              <a:rPr lang="id-ID" dirty="0" smtClean="0"/>
+              <a:rPr lang="id-ID" dirty="0"/>
             </a:br>
             <a:endParaRPr lang="id-ID" dirty="0"/>
           </a:p>
@@ -5133,13 +5066,6 @@
   <p:clrMapOvr>
     <a:masterClrMapping/>
   </p:clrMapOvr>
-  <p:timing>
-    <p:tnLst>
-      <p:par>
-        <p:cTn id="1" dur="indefinite" restart="never" nodeType="tmRoot"/>
-      </p:par>
-    </p:tnLst>
-  </p:timing>
 </p:sld>
 </file>
 
@@ -5181,7 +5107,7 @@
           <a:lstStyle/>
           <a:p>
             <a:r>
-              <a:rPr lang="id-ID" b="1" dirty="0" smtClean="0"/>
+              <a:rPr lang="id-ID" b="1" dirty="0"/>
               <a:t>Daftar Pustaka</a:t>
             </a:r>
             <a:endParaRPr lang="id-ID" dirty="0"/>
@@ -5214,16 +5140,8 @@
               <a:buNone/>
             </a:pPr>
             <a:r>
-              <a:rPr lang="id-ID" dirty="0" smtClean="0"/>
-              <a:t> </a:t>
-            </a:r>
-            <a:r>
-              <a:rPr lang="id-ID" dirty="0" smtClean="0"/>
-              <a:t>“Brainly Luncurkan Fitur Live Answer untuk Tingkatkan Keterlibatan Pengguna</a:t>
-            </a:r>
-            <a:r>
-              <a:rPr lang="id-ID" dirty="0" smtClean="0"/>
-              <a:t>.</a:t>
+              <a:rPr lang="id-ID" dirty="0"/>
+              <a:t> “Brainly Luncurkan Fitur Live Answer untuk Tingkatkan Keterlibatan Pengguna.</a:t>
             </a:r>
           </a:p>
           <a:p>
@@ -5231,16 +5149,8 @@
               <a:buNone/>
             </a:pPr>
             <a:r>
-              <a:rPr lang="id-ID" dirty="0" smtClean="0"/>
-              <a:t>	” </a:t>
-            </a:r>
-            <a:r>
-              <a:rPr lang="id-ID" dirty="0" smtClean="0"/>
-              <a:t>DailySocial. 12 Agustus 2016. Web. 3 Oktober </a:t>
-            </a:r>
-            <a:r>
-              <a:rPr lang="id-ID" dirty="0" smtClean="0"/>
-              <a:t>2017.</a:t>
+              <a:rPr lang="id-ID" dirty="0"/>
+              <a:t>	” DailySocial. 12 Agustus 2016. Web. 3 Oktober 2017.</a:t>
             </a:r>
           </a:p>
           <a:p>
@@ -5248,134 +5158,89 @@
               <a:buNone/>
             </a:pPr>
             <a:r>
-              <a:rPr lang="id-ID" dirty="0" smtClean="0">
+              <a:rPr lang="id-ID" dirty="0">
                 <a:hlinkClick r:id="rId2"/>
               </a:rPr>
-              <a:t>https</a:t>
-            </a:r>
-            <a:r>
-              <a:rPr lang="id-ID" dirty="0" smtClean="0">
-                <a:hlinkClick r:id="rId2"/>
-              </a:rPr>
-              <a:t>://</a:t>
-            </a:r>
-            <a:r>
-              <a:rPr lang="id-ID" dirty="0" smtClean="0">
-                <a:hlinkClick r:id="rId2"/>
-              </a:rPr>
-              <a:t>dailysocial.id/post/brainly-luncurkan-fitur-live-answer-untuktingkatkan-keterlibatan-pengguna</a:t>
-            </a:r>
-            <a:endParaRPr lang="id-ID" dirty="0" smtClean="0"/>
+              <a:t>https://dailysocial.id/post/brainly-luncurkan-fitur-live-answer-untuktingkatkan-keterlibatan-pengguna</a:t>
+            </a:r>
+            <a:endParaRPr lang="id-ID" dirty="0"/>
           </a:p>
           <a:p>
             <a:pPr>
               <a:buNone/>
             </a:pPr>
-            <a:endParaRPr lang="id-ID" dirty="0" smtClean="0"/>
+            <a:endParaRPr lang="id-ID" dirty="0"/>
           </a:p>
           <a:p>
             <a:pPr>
               <a:buNone/>
             </a:pPr>
             <a:r>
-              <a:rPr lang="id-ID" dirty="0" smtClean="0"/>
-              <a:t>  </a:t>
-            </a:r>
-            <a:r>
-              <a:rPr lang="id-ID" dirty="0" smtClean="0"/>
-              <a:t>“Pengembangan Aplikasi berbasis Web.” Thesis Binus.7 April 2015. 4 </a:t>
-            </a:r>
-            <a:r>
-              <a:rPr lang="id-ID" dirty="0" smtClean="0"/>
-              <a:t>Oktober 2015</a:t>
-            </a:r>
-            <a:r>
-              <a:rPr lang="id-ID" dirty="0" smtClean="0"/>
-              <a:t>.&lt;thesis.binus.ac.id/eColls/eThesisdoc/Bab1/2012-2-01355- IF%20Bab1001.pdf&gt; </a:t>
-            </a:r>
-            <a:endParaRPr lang="id-ID" dirty="0" smtClean="0"/>
+              <a:rPr lang="id-ID" dirty="0"/>
+              <a:t>  “Pengembangan Aplikasi berbasis Web.” Thesis Binus.7 April 2015. 4 Oktober 2015.&lt;thesis.binus.ac.id/eColls/eThesisdoc/Bab1/2012-2-01355- IF%20Bab1001.pdf&gt; </a:t>
+            </a:r>
           </a:p>
           <a:p>
             <a:pPr>
               <a:buNone/>
             </a:pPr>
-            <a:endParaRPr lang="id-ID" dirty="0" smtClean="0"/>
+            <a:endParaRPr lang="id-ID" dirty="0"/>
           </a:p>
           <a:p>
             <a:pPr>
               <a:buNone/>
             </a:pPr>
             <a:r>
-              <a:rPr lang="id-ID" dirty="0" smtClean="0"/>
-              <a:t> </a:t>
-            </a:r>
-            <a:r>
-              <a:rPr lang="id-ID" dirty="0" smtClean="0"/>
-              <a:t>DATAWATCH. 2006. </a:t>
-            </a:r>
-            <a:r>
-              <a:rPr lang="id-ID" i="1" dirty="0" smtClean="0"/>
+              <a:rPr lang="id-ID" dirty="0"/>
+              <a:t> DATAWATCH. 2006. </a:t>
+            </a:r>
+            <a:r>
+              <a:rPr lang="id-ID" i="1" dirty="0"/>
               <a:t>The Practical Guide: Implementing Your Help</a:t>
             </a:r>
-            <a:r>
-              <a:rPr lang="id-ID" dirty="0" smtClean="0"/>
-              <a:t/>
-            </a:r>
             <a:br>
-              <a:rPr lang="id-ID" dirty="0" smtClean="0"/>
+              <a:rPr lang="id-ID" dirty="0"/>
             </a:br>
             <a:r>
-              <a:rPr lang="id-ID" i="1" dirty="0" smtClean="0"/>
+              <a:rPr lang="id-ID" i="1" dirty="0"/>
               <a:t>Desk</a:t>
             </a:r>
             <a:r>
-              <a:rPr lang="id-ID" dirty="0" smtClean="0"/>
-              <a:t>. White Paper. United State of </a:t>
-            </a:r>
-            <a:r>
-              <a:rPr lang="id-ID" dirty="0" smtClean="0"/>
-              <a:t>America</a:t>
+              <a:rPr lang="id-ID" dirty="0"/>
+              <a:t>. White Paper. United State of America</a:t>
             </a:r>
           </a:p>
           <a:p>
             <a:pPr>
               <a:buNone/>
             </a:pPr>
-            <a:endParaRPr lang="id-ID" dirty="0" smtClean="0"/>
+            <a:endParaRPr lang="id-ID" dirty="0"/>
           </a:p>
           <a:p>
             <a:pPr>
               <a:buNone/>
             </a:pPr>
             <a:r>
-              <a:rPr lang="id-ID" dirty="0" smtClean="0"/>
-              <a:t> Knapp</a:t>
-            </a:r>
-            <a:r>
-              <a:rPr lang="id-ID" dirty="0" smtClean="0"/>
-              <a:t>, Donna.2004. </a:t>
-            </a:r>
-            <a:r>
-              <a:rPr lang="id-ID" i="1" dirty="0" smtClean="0"/>
+              <a:rPr lang="id-ID" dirty="0"/>
+              <a:t> Knapp, Donna.2004. </a:t>
+            </a:r>
+            <a:r>
+              <a:rPr lang="id-ID" i="1" dirty="0"/>
               <a:t>A Guide to Customer Service Skills for Helpdesk</a:t>
             </a:r>
-            <a:r>
-              <a:rPr lang="id-ID" dirty="0" smtClean="0"/>
-              <a:t/>
-            </a:r>
             <a:br>
-              <a:rPr lang="id-ID" dirty="0" smtClean="0"/>
+              <a:rPr lang="id-ID" dirty="0"/>
             </a:br>
             <a:r>
-              <a:rPr lang="id-ID" i="1" dirty="0" smtClean="0"/>
+              <a:rPr lang="id-ID" i="1" dirty="0"/>
               <a:t>Professional</a:t>
             </a:r>
             <a:r>
-              <a:rPr lang="id-ID" dirty="0" smtClean="0"/>
+              <a:rPr lang="id-ID" dirty="0"/>
               <a:t>: Course Technology Publishing</a:t>
             </a:r>
             <a:br>
-              <a:rPr lang="id-ID" dirty="0" smtClean="0"/>
+              <a:rPr lang="id-ID" dirty="0"/>
             </a:br>
             <a:endParaRPr lang="id-ID" dirty="0"/>
           </a:p>
@@ -5386,13 +5251,6 @@
   <p:clrMapOvr>
     <a:masterClrMapping/>
   </p:clrMapOvr>
-  <p:timing>
-    <p:tnLst>
-      <p:par>
-        <p:cTn id="1" dur="indefinite" restart="never" nodeType="tmRoot"/>
-      </p:par>
-    </p:tnLst>
-  </p:timing>
 </p:sld>
 </file>
 
@@ -5429,10 +5287,9 @@
           <a:lstStyle/>
           <a:p>
             <a:r>
-              <a:rPr lang="id-ID" dirty="0" smtClean="0"/>
+              <a:rPr lang="id-ID" dirty="0"/>
               <a:t>LATAR BELAKANG</a:t>
             </a:r>
-            <a:endParaRPr lang="id-ID" dirty="0"/>
           </a:p>
         </p:txBody>
       </p:sp>
@@ -5462,46 +5319,21 @@
               <a:buNone/>
             </a:pPr>
             <a:r>
-              <a:rPr lang="id-ID" dirty="0" smtClean="0"/>
+              <a:rPr lang="id-ID" dirty="0"/>
               <a:t>		</a:t>
             </a:r>
             <a:r>
-              <a:rPr lang="id-ID" sz="3800" dirty="0" smtClean="0"/>
-              <a:t>Seiring </a:t>
-            </a:r>
-            <a:r>
-              <a:rPr lang="id-ID" sz="3800" dirty="0" smtClean="0"/>
-              <a:t>perkembangan teknologi, aplikasi berbasis </a:t>
-            </a:r>
-            <a:r>
-              <a:rPr lang="id-ID" sz="3800" dirty="0" smtClean="0"/>
-              <a:t>website hadir </a:t>
-            </a:r>
-            <a:r>
-              <a:rPr lang="id-ID" sz="3800" dirty="0" smtClean="0"/>
-              <a:t>seiring meningkatnya kebutuhan manusia dalam melakukan interaksi sosial dengan sesamanya. Aplikasi berbasis website itu sendiri dipadukan dengan </a:t>
-            </a:r>
-            <a:r>
-              <a:rPr lang="id-ID" sz="3800" dirty="0" smtClean="0"/>
-              <a:t>teknologi </a:t>
-            </a:r>
-            <a:r>
-              <a:rPr lang="id-ID" sz="3800" dirty="0" smtClean="0"/>
-              <a:t>yang sedang berkembang, seperti internet dan social networking. </a:t>
-            </a:r>
-            <a:endParaRPr lang="id-ID" sz="3800" dirty="0" smtClean="0"/>
+              <a:rPr lang="id-ID" sz="3800" dirty="0"/>
+              <a:t>Seiring perkembangan teknologi, aplikasi berbasis website hadir seiring meningkatnya kebutuhan manusia dalam melakukan interaksi sosial dengan sesamanya. Aplikasi berbasis website itu sendiri dipadukan dengan teknologi yang sedang berkembang, seperti internet dan social networking. </a:t>
+            </a:r>
           </a:p>
           <a:p>
             <a:pPr algn="just">
               <a:buNone/>
             </a:pPr>
             <a:r>
-              <a:rPr lang="id-ID" sz="3800" dirty="0" smtClean="0"/>
-              <a:t>	</a:t>
-            </a:r>
-            <a:r>
-              <a:rPr lang="id-ID" sz="3800" dirty="0" smtClean="0"/>
-              <a:t>	</a:t>
+              <a:rPr lang="id-ID" sz="3800" dirty="0"/>
+              <a:t>		</a:t>
             </a:r>
           </a:p>
           <a:p>
@@ -5509,19 +5341,11 @@
               <a:buNone/>
             </a:pPr>
             <a:r>
-              <a:rPr lang="id-ID" sz="3800" dirty="0" smtClean="0"/>
-              <a:t>	</a:t>
-            </a:r>
-            <a:r>
-              <a:rPr lang="id-ID" sz="3800" dirty="0" smtClean="0"/>
-              <a:t>	Teknologi </a:t>
-            </a:r>
-            <a:r>
-              <a:rPr lang="id-ID" sz="3800" dirty="0" smtClean="0"/>
-              <a:t>internet merupakan teknologi yang dikembangkan agar manusia dapat berkomunikasi serta memperoleh informasi tanpa harus bertatap muka dan berbincang langsung dengan manusia lainnya. Sedangkan social networking merupakan bagian dari internet yang banyak digunakan untuk berinteraksi antar seseorang, perorangan maupun grup.</a:t>
+              <a:rPr lang="id-ID" sz="3800" dirty="0"/>
+              <a:t>		Teknologi internet merupakan teknologi yang dikembangkan agar manusia dapat berkomunikasi serta memperoleh informasi tanpa harus bertatap muka dan berbincang langsung dengan manusia lainnya. Sedangkan social networking merupakan bagian dari internet yang banyak digunakan untuk berinteraksi antar seseorang, perorangan maupun grup.</a:t>
             </a:r>
             <a:br>
-              <a:rPr lang="id-ID" sz="3800" dirty="0" smtClean="0"/>
+              <a:rPr lang="id-ID" sz="3800" dirty="0"/>
             </a:br>
             <a:endParaRPr lang="id-ID" sz="3800" dirty="0"/>
           </a:p>
@@ -5532,13 +5356,6 @@
   <p:clrMapOvr>
     <a:masterClrMapping/>
   </p:clrMapOvr>
-  <p:timing>
-    <p:tnLst>
-      <p:par>
-        <p:cTn id="1" dur="indefinite" restart="never" nodeType="tmRoot"/>
-      </p:par>
-    </p:tnLst>
-  </p:timing>
 </p:sld>
 </file>
 
@@ -5575,10 +5392,9 @@
           <a:lstStyle/>
           <a:p>
             <a:r>
-              <a:rPr lang="id-ID" dirty="0" smtClean="0"/>
+              <a:rPr lang="id-ID" dirty="0"/>
               <a:t>HELPDESK</a:t>
             </a:r>
-            <a:endParaRPr lang="id-ID" dirty="0"/>
           </a:p>
         </p:txBody>
       </p:sp>
@@ -5608,16 +5424,8 @@
               <a:buNone/>
             </a:pPr>
             <a:r>
-              <a:rPr lang="id-ID" dirty="0" smtClean="0"/>
-              <a:t>		Donna </a:t>
-            </a:r>
-            <a:r>
-              <a:rPr lang="id-ID" dirty="0" smtClean="0"/>
-              <a:t>(2004, h. 4) mendefinisikan helpdesk adalah sebuah alat untuk mengatasi persoalan yang didesain dan disesuaikan untuk menyediakan layanan teknis yang dikonsentrasikan untuk produk atau layanan yang spesifik</a:t>
-            </a:r>
-            <a:r>
-              <a:rPr lang="id-ID" dirty="0" smtClean="0"/>
-              <a:t>.</a:t>
+              <a:rPr lang="id-ID" dirty="0"/>
+              <a:t>		Donna (2004, h. 4) mendefinisikan helpdesk adalah sebuah alat untuk mengatasi persoalan yang didesain dan disesuaikan untuk menyediakan layanan teknis yang dikonsentrasikan untuk produk atau layanan yang spesifik.</a:t>
             </a:r>
           </a:p>
           <a:p>
@@ -5625,7 +5433,7 @@
               <a:buNone/>
             </a:pPr>
             <a:r>
-              <a:rPr lang="id-ID" dirty="0" smtClean="0"/>
+              <a:rPr lang="id-ID" dirty="0"/>
               <a:t> </a:t>
             </a:r>
           </a:p>
@@ -5634,19 +5442,11 @@
               <a:buNone/>
             </a:pPr>
             <a:r>
-              <a:rPr lang="id-ID" dirty="0" smtClean="0"/>
-              <a:t>	</a:t>
-            </a:r>
-            <a:r>
-              <a:rPr lang="id-ID" dirty="0" smtClean="0"/>
-              <a:t>	Helpdesk </a:t>
-            </a:r>
-            <a:r>
-              <a:rPr lang="id-ID" dirty="0" smtClean="0"/>
-              <a:t>juga dikenal sebagai suatu departemen dalam suatu perusahaan yang digunakan untuk menjawab pertanyaan dari user. Seringnya masyarakat kampus memiliki pertanyaan tapi tidak mengetahui harus bertanya pada siapa, sehingga kami mengembangkan aplikasi sebagai wadah bagi masyarakat kampus untuk bertanya hal-hal yang berkaitan dengan kampus.</a:t>
+              <a:rPr lang="id-ID" dirty="0"/>
+              <a:t>		Helpdesk juga dikenal sebagai suatu departemen dalam suatu perusahaan yang digunakan untuk menjawab pertanyaan dari user. Seringnya masyarakat kampus memiliki pertanyaan tapi tidak mengetahui harus bertanya pada siapa, sehingga kami mengembangkan aplikasi sebagai wadah bagi masyarakat kampus untuk bertanya hal-hal yang berkaitan dengan kampus.</a:t>
             </a:r>
             <a:br>
-              <a:rPr lang="id-ID" dirty="0" smtClean="0"/>
+              <a:rPr lang="id-ID" dirty="0"/>
             </a:br>
             <a:endParaRPr lang="id-ID" dirty="0"/>
           </a:p>
@@ -5657,13 +5457,6 @@
   <p:clrMapOvr>
     <a:masterClrMapping/>
   </p:clrMapOvr>
-  <p:timing>
-    <p:tnLst>
-      <p:par>
-        <p:cTn id="1" dur="indefinite" restart="never" nodeType="tmRoot"/>
-      </p:par>
-    </p:tnLst>
-  </p:timing>
 </p:sld>
 </file>
 
@@ -5700,10 +5493,9 @@
           <a:lstStyle/>
           <a:p>
             <a:r>
-              <a:rPr lang="id-ID" dirty="0" smtClean="0"/>
+              <a:rPr lang="id-ID" dirty="0"/>
               <a:t>HELPDESK</a:t>
             </a:r>
-            <a:endParaRPr lang="id-ID" dirty="0"/>
           </a:p>
         </p:txBody>
       </p:sp>
@@ -5726,15 +5518,11 @@
               <a:buNone/>
             </a:pPr>
             <a:r>
-              <a:rPr lang="id-ID" dirty="0" smtClean="0"/>
-              <a:t>		Aplikasi </a:t>
-            </a:r>
-            <a:r>
-              <a:rPr lang="id-ID" dirty="0" smtClean="0"/>
-              <a:t>ini merupakan aplikasi Helpdesk yaitu membantu masyarakat kampus yang memiliki pertanyaan seputar kampus dan juga akan dijawab oleh admin dari aplikasi ini sendiri.</a:t>
+              <a:rPr lang="id-ID" dirty="0"/>
+              <a:t>		Aplikasi ini merupakan aplikasi Helpdesk yaitu membantu masyarakat kampus yang memiliki pertanyaan seputar kampus dan juga akan dijawab oleh admin dari aplikasi ini sendiri.</a:t>
             </a:r>
             <a:br>
-              <a:rPr lang="id-ID" dirty="0" smtClean="0"/>
+              <a:rPr lang="id-ID" dirty="0"/>
             </a:br>
             <a:endParaRPr lang="id-ID" dirty="0"/>
           </a:p>
@@ -5745,13 +5533,6 @@
   <p:clrMapOvr>
     <a:masterClrMapping/>
   </p:clrMapOvr>
-  <p:timing>
-    <p:tnLst>
-      <p:par>
-        <p:cTn id="1" dur="indefinite" restart="never" nodeType="tmRoot"/>
-      </p:par>
-    </p:tnLst>
-  </p:timing>
 </p:sld>
 </file>
 
@@ -5793,10 +5574,9 @@
           <a:lstStyle/>
           <a:p>
             <a:r>
-              <a:rPr lang="id-ID" dirty="0" smtClean="0"/>
+              <a:rPr lang="id-ID" dirty="0"/>
               <a:t>FITUR-FITUR</a:t>
             </a:r>
-            <a:endParaRPr lang="id-ID" dirty="0"/>
           </a:p>
         </p:txBody>
       </p:sp>
@@ -5834,107 +5614,81 @@
         </p:style>
         <p:txBody>
           <a:bodyPr>
-            <a:normAutofit fontScale="92500" lnSpcReduction="10000"/>
+            <a:normAutofit/>
           </a:bodyPr>
           <a:lstStyle/>
           <a:p>
             <a:r>
-              <a:rPr lang="id-ID" dirty="0" smtClean="0"/>
+              <a:rPr lang="id-ID" dirty="0"/>
               <a:t>User </a:t>
             </a:r>
-            <a:endParaRPr lang="id-ID" dirty="0" smtClean="0"/>
           </a:p>
           <a:p>
             <a:pPr>
               <a:buNone/>
             </a:pPr>
             <a:r>
-              <a:rPr lang="id-ID" dirty="0" smtClean="0"/>
-              <a:t> </a:t>
-            </a:r>
-            <a:r>
-              <a:rPr lang="id-ID" dirty="0" smtClean="0"/>
-              <a:t>Buat akun </a:t>
-            </a:r>
-            <a:endParaRPr lang="id-ID" dirty="0" smtClean="0"/>
+              <a:rPr lang="id-ID" dirty="0"/>
+              <a:t> Tiket (berlaku untuk 1 masalah yang ingin ditanyakan) </a:t>
+            </a:r>
           </a:p>
           <a:p>
             <a:pPr>
               <a:buNone/>
             </a:pPr>
             <a:r>
-              <a:rPr lang="id-ID" dirty="0" smtClean="0"/>
-              <a:t> </a:t>
-            </a:r>
-            <a:r>
-              <a:rPr lang="id-ID" dirty="0" smtClean="0"/>
-              <a:t>Login </a:t>
-            </a:r>
-            <a:endParaRPr lang="id-ID" dirty="0" smtClean="0"/>
+              <a:rPr lang="id-ID" dirty="0"/>
+              <a:t> Mengisi form yang berisi :</a:t>
+            </a:r>
+            <a:br>
+              <a:rPr lang="id-ID" dirty="0"/>
+            </a:br>
+            <a:r>
+              <a:rPr lang="id-ID" dirty="0"/>
+              <a:t>o Contact Information (Full Name, </a:t>
+            </a:r>
+            <a:r>
+              <a:rPr lang="en-US" dirty="0"/>
+              <a:t>NIM,</a:t>
+            </a:r>
+            <a:r>
+              <a:rPr lang="id-ID" dirty="0"/>
+              <a:t> E-mail</a:t>
+            </a:r>
+            <a:r>
+              <a:rPr lang="en-US" dirty="0"/>
+              <a:t> </a:t>
+            </a:r>
+            <a:r>
+              <a:rPr lang="en-US" dirty="0" err="1"/>
+              <a:t>dan</a:t>
+            </a:r>
+            <a:r>
+              <a:rPr lang="en-US" dirty="0"/>
+              <a:t> Prodi</a:t>
+            </a:r>
+            <a:r>
+              <a:rPr lang="id-ID" dirty="0"/>
+              <a:t>)</a:t>
+            </a:r>
+            <a:br>
+              <a:rPr lang="id-ID" dirty="0"/>
+            </a:br>
+            <a:r>
+              <a:rPr lang="id-ID" dirty="0"/>
+              <a:t>o Ticket Details (Issue Summary dan Issue Details) </a:t>
+            </a:r>
           </a:p>
           <a:p>
             <a:pPr>
               <a:buNone/>
             </a:pPr>
             <a:r>
-              <a:rPr lang="id-ID" dirty="0" smtClean="0"/>
-              <a:t> </a:t>
-            </a:r>
-            <a:r>
-              <a:rPr lang="id-ID" dirty="0" smtClean="0"/>
-              <a:t>Tiket (berlaku untuk 1 masalah yang ingin ditanyakan) </a:t>
-            </a:r>
-            <a:endParaRPr lang="id-ID" dirty="0" smtClean="0"/>
-          </a:p>
-          <a:p>
-            <a:pPr>
-              <a:buNone/>
-            </a:pPr>
-            <a:r>
-              <a:rPr lang="id-ID" dirty="0" smtClean="0"/>
-              <a:t> </a:t>
-            </a:r>
-            <a:r>
-              <a:rPr lang="id-ID" dirty="0" smtClean="0"/>
-              <a:t>Mengisi form yang berisi :</a:t>
+              <a:rPr lang="id-ID" dirty="0"/>
+              <a:t> Menerima jawaban dari pertanyaan melalui Contact User yang telah diberikan </a:t>
             </a:r>
             <a:br>
-              <a:rPr lang="id-ID" dirty="0" smtClean="0"/>
-            </a:br>
-            <a:r>
-              <a:rPr lang="id-ID" dirty="0" smtClean="0"/>
-              <a:t>o Pilihan topic</a:t>
-            </a:r>
-            <a:br>
-              <a:rPr lang="id-ID" dirty="0" smtClean="0"/>
-            </a:br>
-            <a:r>
-              <a:rPr lang="id-ID" dirty="0" smtClean="0"/>
-              <a:t>o Contact Information (Full Name, Phone Number dan E-mail)</a:t>
-            </a:r>
-            <a:br>
-              <a:rPr lang="id-ID" dirty="0" smtClean="0"/>
-            </a:br>
-            <a:r>
-              <a:rPr lang="id-ID" dirty="0" smtClean="0"/>
-              <a:t>o Ticket Details (Issue Summary dan Issue Details) </a:t>
-            </a:r>
-            <a:endParaRPr lang="id-ID" dirty="0" smtClean="0"/>
-          </a:p>
-          <a:p>
-            <a:pPr>
-              <a:buNone/>
-            </a:pPr>
-            <a:r>
-              <a:rPr lang="id-ID" dirty="0" smtClean="0"/>
-              <a:t> </a:t>
-            </a:r>
-            <a:r>
-              <a:rPr lang="id-ID" dirty="0" smtClean="0"/>
-              <a:t>Menerima jawaban dari pertanyaan melalui Contact User yang telah diberikan </a:t>
-            </a:r>
-            <a:br>
-              <a:rPr lang="id-ID" dirty="0" smtClean="0"/>
+              <a:rPr lang="id-ID" dirty="0"/>
             </a:br>
             <a:endParaRPr lang="id-ID" dirty="0"/>
           </a:p>
@@ -5974,31 +5728,22 @@
         </p:style>
         <p:txBody>
           <a:bodyPr>
-            <a:normAutofit fontScale="92500" lnSpcReduction="10000"/>
+            <a:normAutofit/>
           </a:bodyPr>
           <a:lstStyle/>
           <a:p>
             <a:r>
-              <a:rPr lang="id-ID" dirty="0" smtClean="0"/>
+              <a:rPr lang="id-ID" dirty="0"/>
               <a:t>Admin </a:t>
             </a:r>
-            <a:endParaRPr lang="id-ID" dirty="0" smtClean="0"/>
           </a:p>
           <a:p>
             <a:pPr>
               <a:buNone/>
             </a:pPr>
             <a:r>
-              <a:rPr lang="id-ID" dirty="0" smtClean="0"/>
-              <a:t> </a:t>
-            </a:r>
-            <a:r>
-              <a:rPr lang="id-ID" dirty="0" smtClean="0"/>
-              <a:t>Memiliki </a:t>
-            </a:r>
-            <a:r>
-              <a:rPr lang="id-ID" dirty="0" smtClean="0"/>
-              <a:t>Akun</a:t>
+              <a:rPr lang="id-ID" dirty="0"/>
+              <a:t> Login </a:t>
             </a:r>
           </a:p>
           <a:p>
@@ -6006,30 +5751,17 @@
               <a:buNone/>
             </a:pPr>
             <a:r>
-              <a:rPr lang="id-ID" dirty="0" smtClean="0"/>
-              <a:t> </a:t>
-            </a:r>
-            <a:r>
-              <a:rPr lang="id-ID" dirty="0" smtClean="0"/>
-              <a:t>Login </a:t>
-            </a:r>
-            <a:endParaRPr lang="id-ID" dirty="0" smtClean="0"/>
+              <a:rPr lang="id-ID" dirty="0"/>
+              <a:t> Searching Tiket</a:t>
+            </a:r>
           </a:p>
           <a:p>
             <a:pPr>
               <a:buNone/>
             </a:pPr>
             <a:r>
-              <a:rPr lang="id-ID" dirty="0" smtClean="0"/>
-              <a:t> </a:t>
-            </a:r>
-            <a:r>
-              <a:rPr lang="id-ID" dirty="0" smtClean="0"/>
-              <a:t>Searching </a:t>
-            </a:r>
-            <a:r>
-              <a:rPr lang="id-ID" dirty="0" smtClean="0"/>
-              <a:t>Tiket</a:t>
+              <a:rPr lang="id-ID" dirty="0"/>
+              <a:t> Melihat semua tiket </a:t>
             </a:r>
           </a:p>
           <a:p>
@@ -6037,28 +5769,9 @@
               <a:buNone/>
             </a:pPr>
             <a:r>
-              <a:rPr lang="id-ID" dirty="0" smtClean="0"/>
-              <a:t> </a:t>
-            </a:r>
-            <a:r>
-              <a:rPr lang="id-ID" dirty="0" smtClean="0"/>
-              <a:t>Melihat semua tiket </a:t>
-            </a:r>
-            <a:endParaRPr lang="id-ID" dirty="0" smtClean="0"/>
-          </a:p>
-          <a:p>
-            <a:pPr>
-              <a:buNone/>
-            </a:pPr>
-            <a:r>
-              <a:rPr lang="id-ID" dirty="0" smtClean="0"/>
-              <a:t> </a:t>
-            </a:r>
-            <a:r>
-              <a:rPr lang="id-ID" dirty="0" smtClean="0"/>
-              <a:t>Menjawab pertanyaan atau persoalan</a:t>
-            </a:r>
-            <a:endParaRPr lang="id-ID" dirty="0"/>
+              <a:rPr lang="id-ID" dirty="0"/>
+              <a:t> Menjawab pertanyaan atau persoalan</a:t>
+            </a:r>
           </a:p>
         </p:txBody>
       </p:sp>
@@ -6067,13 +5780,6 @@
   <p:clrMapOvr>
     <a:masterClrMapping/>
   </p:clrMapOvr>
-  <p:timing>
-    <p:tnLst>
-      <p:par>
-        <p:cTn id="1" dur="indefinite" restart="never" nodeType="tmRoot"/>
-      </p:par>
-    </p:tnLst>
-  </p:timing>
 </p:sld>
 </file>
 
@@ -6115,10 +5821,9 @@
           <a:lstStyle/>
           <a:p>
             <a:r>
-              <a:rPr lang="id-ID" dirty="0" smtClean="0"/>
+              <a:rPr lang="id-ID" dirty="0"/>
               <a:t>ARSITEKTUR APLIKASI</a:t>
             </a:r>
-            <a:endParaRPr lang="id-ID" dirty="0"/>
           </a:p>
         </p:txBody>
       </p:sp>
@@ -6162,24 +5867,8 @@
               <a:buNone/>
             </a:pPr>
             <a:r>
-              <a:rPr lang="id-ID" dirty="0" smtClean="0"/>
-              <a:t>	Helpdesk </a:t>
-            </a:r>
-            <a:r>
-              <a:rPr lang="id-ID" dirty="0" smtClean="0"/>
-              <a:t>didesain dan disesuaikan untuk </a:t>
-            </a:r>
-            <a:r>
-              <a:rPr lang="id-ID" dirty="0" smtClean="0"/>
-              <a:t>internal support </a:t>
-            </a:r>
-            <a:r>
-              <a:rPr lang="id-ID" dirty="0" smtClean="0"/>
-              <a:t>system dan digunakan untuk </a:t>
-            </a:r>
-            <a:r>
-              <a:rPr lang="id-ID" dirty="0" smtClean="0"/>
-              <a:t>mendukung customer.</a:t>
+              <a:rPr lang="id-ID" dirty="0"/>
+              <a:t>	Helpdesk didesain dan disesuaikan untuk internal support system dan digunakan untuk mendukung customer.</a:t>
             </a:r>
           </a:p>
           <a:p>
@@ -6187,14 +5876,9 @@
               <a:buNone/>
             </a:pPr>
             <a:r>
-              <a:rPr lang="id-ID" dirty="0" smtClean="0"/>
-              <a:t>Aplikasi </a:t>
-            </a:r>
-            <a:r>
-              <a:rPr lang="id-ID" dirty="0" smtClean="0"/>
-              <a:t>helpdesk memiliki keuntungan antara lain : </a:t>
-            </a:r>
-            <a:endParaRPr lang="id-ID" dirty="0" smtClean="0"/>
+              <a:rPr lang="id-ID" dirty="0"/>
+              <a:t>Aplikasi helpdesk memiliki keuntungan antara lain : </a:t>
+            </a:r>
           </a:p>
           <a:p>
             <a:pPr marL="624078" indent="-514350">
@@ -6202,16 +5886,8 @@
               <a:buAutoNum type="arabicPeriod"/>
             </a:pPr>
             <a:r>
-              <a:rPr lang="id-ID" dirty="0" smtClean="0"/>
-              <a:t>Menyediakan </a:t>
-            </a:r>
-            <a:r>
-              <a:rPr lang="id-ID" dirty="0" smtClean="0"/>
-              <a:t>konsultasi (Frequently Asked Questions) dan pengetahuan yang dikonsentrasikan pada masalah di seputar kampus</a:t>
-            </a:r>
-            <a:r>
-              <a:rPr lang="id-ID" dirty="0" smtClean="0"/>
-              <a:t>.</a:t>
+              <a:rPr lang="id-ID" dirty="0"/>
+              <a:t>Menyediakan konsultasi (Frequently Asked Questions) dan pengetahuan yang dikonsentrasikan pada masalah di seputar kampus.</a:t>
             </a:r>
           </a:p>
           <a:p>
@@ -6219,43 +5895,29 @@
               <a:buAutoNum type="arabicPeriod"/>
             </a:pPr>
             <a:r>
-              <a:rPr lang="id-ID" dirty="0" smtClean="0"/>
-              <a:t> </a:t>
-            </a:r>
-            <a:r>
-              <a:rPr lang="id-ID" dirty="0" smtClean="0"/>
-              <a:t>Standby 24 jam nonstop. </a:t>
-            </a:r>
-            <a:endParaRPr lang="id-ID" dirty="0" smtClean="0"/>
+              <a:rPr lang="id-ID" dirty="0"/>
+              <a:t> Standby 24 jam nonstop. </a:t>
+            </a:r>
           </a:p>
           <a:p>
             <a:pPr marL="624078" indent="-514350">
               <a:buAutoNum type="arabicPeriod"/>
             </a:pPr>
             <a:r>
-              <a:rPr lang="id-ID" dirty="0" smtClean="0"/>
-              <a:t>Fitur </a:t>
-            </a:r>
-            <a:r>
-              <a:rPr lang="id-ID" dirty="0" smtClean="0"/>
-              <a:t>answer yang memiliki kemampuan untuk menjawab masalah yang ditanyakan oleh user. </a:t>
-            </a:r>
-            <a:endParaRPr lang="id-ID" dirty="0" smtClean="0"/>
+              <a:rPr lang="id-ID" dirty="0"/>
+              <a:t>Fitur answer yang memiliki kemampuan untuk menjawab masalah yang ditanyakan oleh user. </a:t>
+            </a:r>
           </a:p>
           <a:p>
             <a:pPr marL="624078" indent="-514350">
               <a:buAutoNum type="arabicPeriod"/>
             </a:pPr>
             <a:r>
-              <a:rPr lang="id-ID" dirty="0" smtClean="0"/>
-              <a:t> </a:t>
-            </a:r>
-            <a:r>
-              <a:rPr lang="id-ID" dirty="0" smtClean="0"/>
-              <a:t>Sebagai alat penyedia informasi yang berkaitan dengan masalah di seputar kampus.</a:t>
+              <a:rPr lang="id-ID" dirty="0"/>
+              <a:t> Sebagai alat penyedia informasi yang berkaitan dengan masalah di seputar kampus.</a:t>
             </a:r>
             <a:br>
-              <a:rPr lang="id-ID" dirty="0" smtClean="0"/>
+              <a:rPr lang="id-ID" dirty="0"/>
             </a:br>
             <a:endParaRPr lang="id-ID" dirty="0"/>
           </a:p>
@@ -6266,13 +5928,6 @@
   <p:clrMapOvr>
     <a:masterClrMapping/>
   </p:clrMapOvr>
-  <p:timing>
-    <p:tnLst>
-      <p:par>
-        <p:cTn id="1" dur="indefinite" restart="never" nodeType="tmRoot"/>
-      </p:par>
-    </p:tnLst>
-  </p:timing>
 </p:sld>
 </file>
 
@@ -6311,7 +5966,7 @@
           <a:lstStyle/>
           <a:p>
             <a:r>
-              <a:rPr lang="id-ID" b="1" dirty="0" smtClean="0"/>
+              <a:rPr lang="id-ID" b="1" dirty="0"/>
               <a:t>Tantangan dalam Pengembangan Aplikasi</a:t>
             </a:r>
             <a:endParaRPr lang="id-ID" dirty="0"/>
@@ -6339,23 +5994,11 @@
               <a:buNone/>
             </a:pPr>
             <a:r>
-              <a:rPr lang="id-ID" dirty="0" smtClean="0"/>
-              <a:t>		Tantangan </a:t>
-            </a:r>
-            <a:r>
-              <a:rPr lang="id-ID" dirty="0" smtClean="0"/>
-              <a:t>yang dihadapi adalah </a:t>
-            </a:r>
-            <a:r>
-              <a:rPr lang="id-ID" dirty="0" smtClean="0"/>
-              <a:t>situs Tanya.itera.ac.id </a:t>
-            </a:r>
-            <a:r>
-              <a:rPr lang="id-ID" dirty="0" smtClean="0"/>
-              <a:t>menggunakan system ticketing yang sudah jadi yaitu OSTicket, yang tentunya mengapa admin Tanya.itera.ac.id menggunakannya karena aplikasi tersebut sudah mendekati sempurna sehingga kami bingung untuk menentukan hal apa saja yang harus dikembangkan dari situs tersebut agar mendapatkan performa yang lebih baik lagi.</a:t>
+              <a:rPr lang="id-ID" dirty="0"/>
+              <a:t>		Tantangan yang dihadapi adalah situs Tanya.itera.ac.id menggunakan system ticketing yang sudah jadi yaitu OSTicket, yang tentunya mengapa admin Tanya.itera.ac.id menggunakannya karena aplikasi tersebut sudah mendekati sempurna sehingga kami bingung untuk menentukan hal apa saja yang harus dikembangkan dari situs tersebut agar mendapatkan performa yang lebih baik lagi.</a:t>
             </a:r>
             <a:br>
-              <a:rPr lang="id-ID" dirty="0" smtClean="0"/>
+              <a:rPr lang="id-ID" dirty="0"/>
             </a:br>
             <a:endParaRPr lang="id-ID" dirty="0"/>
           </a:p>
@@ -6366,13 +6009,6 @@
   <p:clrMapOvr>
     <a:masterClrMapping/>
   </p:clrMapOvr>
-  <p:timing>
-    <p:tnLst>
-      <p:par>
-        <p:cTn id="1" dur="indefinite" restart="never" nodeType="tmRoot"/>
-      </p:par>
-    </p:tnLst>
-  </p:timing>
 </p:sld>
 </file>
 
@@ -6416,10 +6052,9 @@
           <a:lstStyle/>
           <a:p>
             <a:r>
-              <a:rPr lang="id-ID" dirty="0" smtClean="0"/>
+              <a:rPr lang="id-ID" dirty="0"/>
               <a:t>Tampilan Utama (Home)</a:t>
             </a:r>
-            <a:endParaRPr lang="id-ID" dirty="0"/>
           </a:p>
         </p:txBody>
       </p:sp>
@@ -6454,13 +6089,6 @@
   <p:clrMapOvr>
     <a:masterClrMapping/>
   </p:clrMapOvr>
-  <p:timing>
-    <p:tnLst>
-      <p:par>
-        <p:cTn id="1" dur="indefinite" restart="never" nodeType="tmRoot"/>
-      </p:par>
-    </p:tnLst>
-  </p:timing>
 </p:sld>
 </file>
 
@@ -6538,13 +6166,6 @@
   <p:clrMapOvr>
     <a:masterClrMapping/>
   </p:clrMapOvr>
-  <p:timing>
-    <p:tnLst>
-      <p:par>
-        <p:cTn id="1" dur="indefinite" restart="never" nodeType="tmRoot"/>
-      </p:par>
-    </p:tnLst>
-  </p:timing>
 </p:sld>
 </file>
 
